--- a/ppt.pptx
+++ b/ppt.pptx
@@ -5,7 +5,7 @@
     <p:sldMasterId id="2147483648" r:id="rId1"/>
   </p:sldMasterIdLst>
   <p:notesMasterIdLst>
-    <p:notesMasterId r:id="rId7"/>
+    <p:notesMasterId r:id="rId12"/>
   </p:notesMasterIdLst>
   <p:sldIdLst>
     <p:sldId id="256" r:id="rId2"/>
@@ -13,6 +13,11 @@
     <p:sldId id="259" r:id="rId4"/>
     <p:sldId id="258" r:id="rId5"/>
     <p:sldId id="260" r:id="rId6"/>
+    <p:sldId id="261" r:id="rId7"/>
+    <p:sldId id="262" r:id="rId8"/>
+    <p:sldId id="263" r:id="rId9"/>
+    <p:sldId id="264" r:id="rId10"/>
+    <p:sldId id="265" r:id="rId11"/>
   </p:sldIdLst>
   <p:sldSz cx="9144000" cy="5143500" type="screen16x9"/>
   <p:notesSz cx="6858000" cy="9144000"/>
@@ -232,7 +237,7 @@
           <a:p>
             <a:fld id="{C8D18E60-4300-4729-A0D7-6AB984C3922D}" type="datetimeFigureOut">
               <a:rPr lang="en-US" smtClean="0"/>
-              <a:t>9/25/2023</a:t>
+              <a:t>9/29/2023</a:t>
             </a:fld>
             <a:endParaRPr lang="en-US"/>
           </a:p>
@@ -802,7 +807,7 @@
             <a:fld id="{53074F12-AA26-4AC8-9962-C36BB8F32554}" type="datetimeFigureOut">
               <a:rPr lang="en-US" smtClean="0"/>
               <a:pPr/>
-              <a:t>9/25/2023</a:t>
+              <a:t>9/29/2023</a:t>
             </a:fld>
             <a:endParaRPr lang="en-US"/>
           </a:p>
@@ -1056,7 +1061,7 @@
             <a:fld id="{53074F12-AA26-4AC8-9962-C36BB8F32554}" type="datetimeFigureOut">
               <a:rPr lang="en-US" smtClean="0"/>
               <a:pPr/>
-              <a:t>9/25/2023</a:t>
+              <a:t>9/29/2023</a:t>
             </a:fld>
             <a:endParaRPr lang="en-US"/>
           </a:p>
@@ -1226,7 +1231,7 @@
             <a:fld id="{53074F12-AA26-4AC8-9962-C36BB8F32554}" type="datetimeFigureOut">
               <a:rPr lang="en-US" smtClean="0"/>
               <a:pPr/>
-              <a:t>9/25/2023</a:t>
+              <a:t>9/29/2023</a:t>
             </a:fld>
             <a:endParaRPr lang="en-US"/>
           </a:p>
@@ -1406,7 +1411,7 @@
             <a:fld id="{53074F12-AA26-4AC8-9962-C36BB8F32554}" type="datetimeFigureOut">
               <a:rPr lang="en-US" smtClean="0"/>
               <a:pPr/>
-              <a:t>9/25/2023</a:t>
+              <a:t>9/29/2023</a:t>
             </a:fld>
             <a:endParaRPr lang="en-US"/>
           </a:p>
@@ -1688,7 +1693,7 @@
             <a:fld id="{53074F12-AA26-4AC8-9962-C36BB8F32554}" type="datetimeFigureOut">
               <a:rPr lang="en-US" smtClean="0"/>
               <a:pPr/>
-              <a:t>9/25/2023</a:t>
+              <a:t>9/29/2023</a:t>
             </a:fld>
             <a:endParaRPr lang="en-US"/>
           </a:p>
@@ -1935,7 +1940,7 @@
             <a:fld id="{53074F12-AA26-4AC8-9962-C36BB8F32554}" type="datetimeFigureOut">
               <a:rPr lang="en-US" smtClean="0"/>
               <a:pPr/>
-              <a:t>9/25/2023</a:t>
+              <a:t>9/29/2023</a:t>
             </a:fld>
             <a:endParaRPr lang="en-US"/>
           </a:p>
@@ -2182,7 +2187,7 @@
             <a:fld id="{53074F12-AA26-4AC8-9962-C36BB8F32554}" type="datetimeFigureOut">
               <a:rPr lang="en-US" smtClean="0"/>
               <a:pPr/>
-              <a:t>9/25/2023</a:t>
+              <a:t>9/29/2023</a:t>
             </a:fld>
             <a:endParaRPr lang="en-US"/>
           </a:p>
@@ -2469,7 +2474,7 @@
             <a:fld id="{53074F12-AA26-4AC8-9962-C36BB8F32554}" type="datetimeFigureOut">
               <a:rPr lang="en-US" smtClean="0"/>
               <a:pPr/>
-              <a:t>9/25/2023</a:t>
+              <a:t>9/29/2023</a:t>
             </a:fld>
             <a:endParaRPr lang="en-US"/>
           </a:p>
@@ -2956,7 +2961,7 @@
             <a:fld id="{53074F12-AA26-4AC8-9962-C36BB8F32554}" type="datetimeFigureOut">
               <a:rPr lang="en-US" smtClean="0"/>
               <a:pPr/>
-              <a:t>9/25/2023</a:t>
+              <a:t>9/29/2023</a:t>
             </a:fld>
             <a:endParaRPr lang="en-US"/>
           </a:p>
@@ -3075,7 +3080,7 @@
             <a:fld id="{53074F12-AA26-4AC8-9962-C36BB8F32554}" type="datetimeFigureOut">
               <a:rPr lang="en-US" smtClean="0"/>
               <a:pPr/>
-              <a:t>9/25/2023</a:t>
+              <a:t>9/29/2023</a:t>
             </a:fld>
             <a:endParaRPr lang="en-US"/>
           </a:p>
@@ -3172,7 +3177,7 @@
             <a:fld id="{53074F12-AA26-4AC8-9962-C36BB8F32554}" type="datetimeFigureOut">
               <a:rPr lang="en-US" smtClean="0"/>
               <a:pPr/>
-              <a:t>9/25/2023</a:t>
+              <a:t>9/29/2023</a:t>
             </a:fld>
             <a:endParaRPr lang="en-US"/>
           </a:p>
@@ -3449,7 +3454,7 @@
             <a:fld id="{53074F12-AA26-4AC8-9962-C36BB8F32554}" type="datetimeFigureOut">
               <a:rPr lang="en-US" smtClean="0"/>
               <a:pPr/>
-              <a:t>9/25/2023</a:t>
+              <a:t>9/29/2023</a:t>
             </a:fld>
             <a:endParaRPr lang="en-US"/>
           </a:p>
@@ -3671,7 +3676,7 @@
             <a:fld id="{53074F12-AA26-4AC8-9962-C36BB8F32554}" type="datetimeFigureOut">
               <a:rPr lang="en-US" smtClean="0"/>
               <a:pPr/>
-              <a:t>9/25/2023</a:t>
+              <a:t>9/29/2023</a:t>
             </a:fld>
             <a:endParaRPr lang="en-US"/>
           </a:p>
@@ -4205,6 +4210,72 @@
 </p:sld>
 </file>
 
+<file path=ppt/slides/slide10.xml><?xml version="1.0" encoding="utf-8"?>
+<p:sld xmlns:a="http://schemas.openxmlformats.org/drawingml/2006/main" xmlns:r="http://schemas.openxmlformats.org/officeDocument/2006/relationships" xmlns:p="http://schemas.openxmlformats.org/presentationml/2006/main">
+  <p:cSld>
+    <p:spTree>
+      <p:nvGrpSpPr>
+        <p:cNvPr id="1" name=""/>
+        <p:cNvGrpSpPr/>
+        <p:nvPr/>
+      </p:nvGrpSpPr>
+      <p:grpSpPr>
+        <a:xfrm>
+          <a:off x="0" y="0"/>
+          <a:ext cx="0" cy="0"/>
+          <a:chOff x="0" y="0"/>
+          <a:chExt cx="0" cy="0"/>
+        </a:xfrm>
+      </p:grpSpPr>
+      <p:sp>
+        <p:nvSpPr>
+          <p:cNvPr id="2" name="Title 1">
+            <a:extLst>
+              <a:ext uri="{FF2B5EF4-FFF2-40B4-BE49-F238E27FC236}">
+                <a16:creationId xmlns:a16="http://schemas.microsoft.com/office/drawing/2014/main" id="{0A1E2364-9886-7E0F-3301-8E3F7FE9DD02}"/>
+              </a:ext>
+            </a:extLst>
+          </p:cNvPr>
+          <p:cNvSpPr>
+            <a:spLocks noGrp="1"/>
+          </p:cNvSpPr>
+          <p:nvPr>
+            <p:ph type="title"/>
+          </p:nvPr>
+        </p:nvSpPr>
+        <p:spPr>
+          <a:xfrm>
+            <a:off x="356055" y="1994857"/>
+            <a:ext cx="6516116" cy="725349"/>
+          </a:xfrm>
+        </p:spPr>
+        <p:txBody>
+          <a:bodyPr>
+            <a:noAutofit/>
+          </a:bodyPr>
+          <a:lstStyle/>
+          <a:p>
+            <a:r>
+              <a:rPr lang="en-IN" sz="6000" dirty="0"/>
+              <a:t>Thank you</a:t>
+            </a:r>
+            <a:endParaRPr lang="en-US" sz="6000" dirty="0"/>
+          </a:p>
+        </p:txBody>
+      </p:sp>
+    </p:spTree>
+    <p:extLst>
+      <p:ext uri="{BB962C8B-B14F-4D97-AF65-F5344CB8AC3E}">
+        <p14:creationId xmlns:p14="http://schemas.microsoft.com/office/powerpoint/2010/main" val="3768633836"/>
+      </p:ext>
+    </p:extLst>
+  </p:cSld>
+  <p:clrMapOvr>
+    <a:masterClrMapping/>
+  </p:clrMapOvr>
+</p:sld>
+</file>
+
 <file path=ppt/slides/slide2.xml><?xml version="1.0" encoding="utf-8"?>
 <p:sld xmlns:a="http://schemas.openxmlformats.org/drawingml/2006/main" xmlns:r="http://schemas.openxmlformats.org/officeDocument/2006/relationships" xmlns:p="http://schemas.openxmlformats.org/presentationml/2006/main">
   <p:cSld>
@@ -4385,8 +4456,12 @@
           <a:lstStyle/>
           <a:p>
             <a:r>
-              <a:rPr lang="en-US"/>
-              <a:t>Slide Title</a:t>
+              <a:rPr lang="en-IN" dirty="0"/>
+              <a:t>T</a:t>
+            </a:r>
+            <a:r>
+              <a:rPr lang="en-US" dirty="0" err="1"/>
+              <a:t>echnologies</a:t>
             </a:r>
             <a:endParaRPr lang="en-US" dirty="0"/>
           </a:p>
@@ -4408,27 +4483,42 @@
           <a:lstStyle/>
           <a:p>
             <a:r>
-              <a:rPr lang="en-US" dirty="0"/>
-              <a:t>Make Effective Presentations</a:t>
-            </a:r>
-          </a:p>
-          <a:p>
-            <a:r>
-              <a:rPr lang="en-US" dirty="0"/>
-              <a:t>Using Awesome Backgrounds</a:t>
-            </a:r>
-          </a:p>
-          <a:p>
-            <a:r>
-              <a:rPr lang="en-US" dirty="0"/>
-              <a:t>Engage your Audience</a:t>
-            </a:r>
-          </a:p>
-          <a:p>
-            <a:r>
-              <a:rPr lang="en-US" dirty="0"/>
-              <a:t>Capture Audience Attention</a:t>
-            </a:r>
+              <a:rPr lang="en-IN" dirty="0"/>
+              <a:t>Html</a:t>
+            </a:r>
+          </a:p>
+          <a:p>
+            <a:r>
+              <a:rPr lang="en-IN" dirty="0" err="1"/>
+              <a:t>Css</a:t>
+            </a:r>
+            <a:endParaRPr lang="en-IN" dirty="0"/>
+          </a:p>
+          <a:p>
+            <a:r>
+              <a:rPr lang="en-IN" dirty="0"/>
+              <a:t>JavaScript</a:t>
+            </a:r>
+          </a:p>
+          <a:p>
+            <a:r>
+              <a:rPr lang="en-IN" dirty="0"/>
+              <a:t>Java</a:t>
+            </a:r>
+          </a:p>
+          <a:p>
+            <a:r>
+              <a:rPr lang="en-IN" dirty="0" err="1"/>
+              <a:t>MySql</a:t>
+            </a:r>
+            <a:endParaRPr lang="en-IN" dirty="0"/>
+          </a:p>
+          <a:p>
+            <a:r>
+              <a:rPr lang="en-IN" dirty="0"/>
+              <a:t>Google cloud storage</a:t>
+            </a:r>
+            <a:endParaRPr lang="en-US" dirty="0"/>
           </a:p>
         </p:txBody>
       </p:sp>
@@ -4480,123 +4570,93 @@
           <a:lstStyle/>
           <a:p>
             <a:r>
+              <a:rPr lang="en-IN" dirty="0"/>
+              <a:t>M</a:t>
+            </a:r>
+            <a:r>
+              <a:rPr lang="en-US" dirty="0" err="1"/>
+              <a:t>odules</a:t>
+            </a:r>
+            <a:endParaRPr lang="en-US" dirty="0"/>
+          </a:p>
+        </p:txBody>
+      </p:sp>
+      <p:sp>
+        <p:nvSpPr>
+          <p:cNvPr id="5" name="Text Placeholder 4"/>
+          <p:cNvSpPr>
+            <a:spLocks noGrp="1"/>
+          </p:cNvSpPr>
+          <p:nvPr>
+            <p:ph type="body" idx="1"/>
+          </p:nvPr>
+        </p:nvSpPr>
+        <p:spPr>
+          <a:xfrm>
+            <a:off x="383338" y="1559125"/>
+            <a:ext cx="4040188" cy="479822"/>
+          </a:xfrm>
+        </p:spPr>
+        <p:txBody>
+          <a:bodyPr/>
+          <a:lstStyle/>
+          <a:p>
+            <a:r>
+              <a:rPr lang="en-IN" dirty="0"/>
+              <a:t>T</a:t>
+            </a:r>
+            <a:r>
               <a:rPr lang="en-US" dirty="0"/>
-              <a:t>Slide Title</a:t>
-            </a:r>
-          </a:p>
-        </p:txBody>
-      </p:sp>
-      <p:sp>
-        <p:nvSpPr>
-          <p:cNvPr id="5" name="Text Placeholder 4"/>
-          <p:cNvSpPr>
-            <a:spLocks noGrp="1"/>
-          </p:cNvSpPr>
-          <p:nvPr>
-            <p:ph type="body" idx="1"/>
-          </p:nvPr>
-        </p:nvSpPr>
-        <p:spPr/>
-        <p:txBody>
-          <a:bodyPr/>
-          <a:lstStyle/>
-          <a:p>
-            <a:r>
-              <a:rPr lang="en-US"/>
-              <a:t>Product A</a:t>
-            </a:r>
+              <a:t>he project has 4 modules</a:t>
+            </a:r>
+          </a:p>
+        </p:txBody>
+      </p:sp>
+      <p:sp>
+        <p:nvSpPr>
+          <p:cNvPr id="6" name="Content Placeholder 5"/>
+          <p:cNvSpPr>
+            <a:spLocks noGrp="1"/>
+          </p:cNvSpPr>
+          <p:nvPr>
+            <p:ph sz="half" idx="2"/>
+          </p:nvPr>
+        </p:nvSpPr>
+        <p:spPr>
+          <a:xfrm>
+            <a:off x="383338" y="2137658"/>
+            <a:ext cx="4040188" cy="2276294"/>
+          </a:xfrm>
+        </p:spPr>
+        <p:txBody>
+          <a:bodyPr/>
+          <a:lstStyle/>
+          <a:p>
+            <a:pPr algn="l"/>
+            <a:r>
+              <a:rPr lang="en-IN" dirty="0"/>
+              <a:t>Room allotment</a:t>
+            </a:r>
+          </a:p>
+          <a:p>
+            <a:pPr algn="l"/>
+            <a:r>
+              <a:rPr lang="en-IN" dirty="0"/>
+              <a:t>Doctor</a:t>
+            </a:r>
+          </a:p>
+          <a:p>
+            <a:pPr algn="l"/>
+            <a:r>
+              <a:rPr lang="en-US" dirty="0"/>
+              <a:t>Patient</a:t>
+            </a:r>
+          </a:p>
+          <a:p>
+            <a:pPr marL="0" indent="0">
+              <a:buNone/>
+            </a:pPr>
             <a:endParaRPr lang="en-US" dirty="0"/>
-          </a:p>
-        </p:txBody>
-      </p:sp>
-      <p:sp>
-        <p:nvSpPr>
-          <p:cNvPr id="6" name="Content Placeholder 5"/>
-          <p:cNvSpPr>
-            <a:spLocks noGrp="1"/>
-          </p:cNvSpPr>
-          <p:nvPr>
-            <p:ph sz="half" idx="2"/>
-          </p:nvPr>
-        </p:nvSpPr>
-        <p:spPr/>
-        <p:txBody>
-          <a:bodyPr/>
-          <a:lstStyle/>
-          <a:p>
-            <a:r>
-              <a:rPr lang="en-US"/>
-              <a:t>Feature 1</a:t>
-            </a:r>
-          </a:p>
-          <a:p>
-            <a:r>
-              <a:rPr lang="en-US"/>
-              <a:t>Feature 2</a:t>
-            </a:r>
-          </a:p>
-          <a:p>
-            <a:r>
-              <a:rPr lang="en-US"/>
-              <a:t>Feature 3</a:t>
-            </a:r>
-            <a:endParaRPr lang="en-US" dirty="0"/>
-          </a:p>
-        </p:txBody>
-      </p:sp>
-      <p:sp>
-        <p:nvSpPr>
-          <p:cNvPr id="7" name="Text Placeholder 6"/>
-          <p:cNvSpPr>
-            <a:spLocks noGrp="1"/>
-          </p:cNvSpPr>
-          <p:nvPr>
-            <p:ph type="body" sz="quarter" idx="3"/>
-          </p:nvPr>
-        </p:nvSpPr>
-        <p:spPr/>
-        <p:txBody>
-          <a:bodyPr/>
-          <a:lstStyle/>
-          <a:p>
-            <a:r>
-              <a:rPr lang="en-US"/>
-              <a:t>Product B</a:t>
-            </a:r>
-          </a:p>
-        </p:txBody>
-      </p:sp>
-      <p:sp>
-        <p:nvSpPr>
-          <p:cNvPr id="8" name="Content Placeholder 7"/>
-          <p:cNvSpPr>
-            <a:spLocks noGrp="1"/>
-          </p:cNvSpPr>
-          <p:nvPr>
-            <p:ph sz="quarter" idx="4"/>
-          </p:nvPr>
-        </p:nvSpPr>
-        <p:spPr/>
-        <p:txBody>
-          <a:bodyPr/>
-          <a:lstStyle/>
-          <a:p>
-            <a:r>
-              <a:rPr lang="en-US"/>
-              <a:t>Feature 1</a:t>
-            </a:r>
-          </a:p>
-          <a:p>
-            <a:r>
-              <a:rPr lang="en-US"/>
-              <a:t>Feature 2</a:t>
-            </a:r>
-          </a:p>
-          <a:p>
-            <a:r>
-              <a:rPr lang="en-US"/>
-              <a:t>Feature 3</a:t>
-            </a:r>
           </a:p>
         </p:txBody>
       </p:sp>
@@ -4630,53 +4690,464 @@
           <a:chExt cx="0" cy="0"/>
         </a:xfrm>
       </p:grpSpPr>
-      <p:pic>
-        <p:nvPicPr>
-          <p:cNvPr id="3" name="Picture 2" descr="E:\websites\free-power-point-templates\2012\logos.png"/>
-          <p:cNvPicPr>
-            <a:picLocks noChangeAspect="1" noChangeArrowheads="1"/>
-          </p:cNvPicPr>
-          <p:nvPr/>
-        </p:nvPicPr>
-        <p:blipFill>
-          <a:blip r:embed="rId3">
+      <p:sp>
+        <p:nvSpPr>
+          <p:cNvPr id="2" name="Title 1">
             <a:extLst>
-              <a:ext uri="{28A0092B-C50C-407E-A947-70E740481C1C}">
-                <a14:useLocalDpi xmlns:a14="http://schemas.microsoft.com/office/drawing/2010/main" val="0"/>
+              <a:ext uri="{FF2B5EF4-FFF2-40B4-BE49-F238E27FC236}">
+                <a16:creationId xmlns:a16="http://schemas.microsoft.com/office/drawing/2014/main" id="{EA90AD5E-D088-2077-F0EB-4049A45A4195}"/>
               </a:ext>
             </a:extLst>
-          </a:blip>
-          <a:stretch>
-            <a:fillRect/>
-          </a:stretch>
-        </p:blipFill>
-        <p:spPr bwMode="auto">
+          </p:cNvPr>
+          <p:cNvSpPr>
+            <a:spLocks noGrp="1"/>
+          </p:cNvSpPr>
+          <p:nvPr>
+            <p:ph type="title"/>
+          </p:nvPr>
+        </p:nvSpPr>
+        <p:spPr/>
+        <p:txBody>
+          <a:bodyPr/>
+          <a:lstStyle/>
+          <a:p>
+            <a:r>
+              <a:rPr lang="en-IN" dirty="0"/>
+              <a:t>Room Allotment</a:t>
+            </a:r>
+            <a:endParaRPr lang="en-US" dirty="0"/>
+          </a:p>
+        </p:txBody>
+      </p:sp>
+      <p:sp>
+        <p:nvSpPr>
+          <p:cNvPr id="4" name="Content Placeholder 3">
+            <a:extLst>
+              <a:ext uri="{FF2B5EF4-FFF2-40B4-BE49-F238E27FC236}">
+                <a16:creationId xmlns:a16="http://schemas.microsoft.com/office/drawing/2014/main" id="{D944436E-E708-49D5-0ED6-5C7202EEA607}"/>
+              </a:ext>
+            </a:extLst>
+          </p:cNvPr>
+          <p:cNvSpPr>
+            <a:spLocks noGrp="1"/>
+          </p:cNvSpPr>
+          <p:nvPr>
+            <p:ph idx="1"/>
+          </p:nvPr>
+        </p:nvSpPr>
+        <p:spPr>
           <a:xfrm>
-            <a:off x="3808475" y="2326213"/>
-            <a:ext cx="1463784" cy="526961"/>
+            <a:off x="383457" y="1802992"/>
+            <a:ext cx="8325464" cy="3340508"/>
           </a:xfrm>
-          <a:prstGeom prst="rect">
-            <a:avLst/>
-          </a:prstGeom>
-          <a:noFill/>
-          <a:ln>
-            <a:noFill/>
-          </a:ln>
-          <a:extLst>
-            <a:ext uri="{909E8E84-426E-40DD-AFC4-6F175D3DCCD1}">
-              <a14:hiddenFill xmlns:a14="http://schemas.microsoft.com/office/drawing/2010/main">
-                <a:solidFill>
-                  <a:srgbClr val="FFFFFF"/>
-                </a:solidFill>
-              </a14:hiddenFill>
-            </a:ext>
-          </a:extLst>
         </p:spPr>
-      </p:pic>
+        <p:txBody>
+          <a:bodyPr/>
+          <a:lstStyle/>
+          <a:p>
+            <a:r>
+              <a:rPr lang="en-IN" dirty="0"/>
+              <a:t>The module is designed to check which rooms are available in the hospital.</a:t>
+            </a:r>
+          </a:p>
+          <a:p>
+            <a:r>
+              <a:rPr lang="en-IN" dirty="0"/>
+              <a:t>It allots rooms and bed to the patient according to their symptoms or following the doctors advice</a:t>
+            </a:r>
+            <a:endParaRPr lang="en-US" dirty="0"/>
+          </a:p>
+        </p:txBody>
+      </p:sp>
     </p:spTree>
     <p:extLst>
       <p:ext uri="{BB962C8B-B14F-4D97-AF65-F5344CB8AC3E}">
         <p14:creationId xmlns:p14="http://schemas.microsoft.com/office/powerpoint/2010/main" val="109100692"/>
+      </p:ext>
+    </p:extLst>
+  </p:cSld>
+  <p:clrMapOvr>
+    <a:masterClrMapping/>
+  </p:clrMapOvr>
+</p:sld>
+</file>
+
+<file path=ppt/slides/slide6.xml><?xml version="1.0" encoding="utf-8"?>
+<p:sld xmlns:a="http://schemas.openxmlformats.org/drawingml/2006/main" xmlns:r="http://schemas.openxmlformats.org/officeDocument/2006/relationships" xmlns:p="http://schemas.openxmlformats.org/presentationml/2006/main">
+  <p:cSld>
+    <p:spTree>
+      <p:nvGrpSpPr>
+        <p:cNvPr id="1" name=""/>
+        <p:cNvGrpSpPr/>
+        <p:nvPr/>
+      </p:nvGrpSpPr>
+      <p:grpSpPr>
+        <a:xfrm>
+          <a:off x="0" y="0"/>
+          <a:ext cx="0" cy="0"/>
+          <a:chOff x="0" y="0"/>
+          <a:chExt cx="0" cy="0"/>
+        </a:xfrm>
+      </p:grpSpPr>
+      <p:sp>
+        <p:nvSpPr>
+          <p:cNvPr id="2" name="Title 1">
+            <a:extLst>
+              <a:ext uri="{FF2B5EF4-FFF2-40B4-BE49-F238E27FC236}">
+                <a16:creationId xmlns:a16="http://schemas.microsoft.com/office/drawing/2014/main" id="{F87F1150-5F61-EAE7-381F-8D66E3442302}"/>
+              </a:ext>
+            </a:extLst>
+          </p:cNvPr>
+          <p:cNvSpPr>
+            <a:spLocks noGrp="1"/>
+          </p:cNvSpPr>
+          <p:nvPr>
+            <p:ph type="title"/>
+          </p:nvPr>
+        </p:nvSpPr>
+        <p:spPr/>
+        <p:txBody>
+          <a:bodyPr/>
+          <a:lstStyle/>
+          <a:p>
+            <a:r>
+              <a:rPr lang="en-IN" dirty="0"/>
+              <a:t>Doctor </a:t>
+            </a:r>
+            <a:endParaRPr lang="en-US" dirty="0"/>
+          </a:p>
+        </p:txBody>
+      </p:sp>
+      <p:sp>
+        <p:nvSpPr>
+          <p:cNvPr id="3" name="Content Placeholder 2">
+            <a:extLst>
+              <a:ext uri="{FF2B5EF4-FFF2-40B4-BE49-F238E27FC236}">
+                <a16:creationId xmlns:a16="http://schemas.microsoft.com/office/drawing/2014/main" id="{FC774835-D50A-E408-2A88-B62F41F5FEB0}"/>
+              </a:ext>
+            </a:extLst>
+          </p:cNvPr>
+          <p:cNvSpPr>
+            <a:spLocks noGrp="1"/>
+          </p:cNvSpPr>
+          <p:nvPr>
+            <p:ph idx="1"/>
+          </p:nvPr>
+        </p:nvSpPr>
+        <p:spPr/>
+        <p:txBody>
+          <a:bodyPr/>
+          <a:lstStyle/>
+          <a:p>
+            <a:r>
+              <a:rPr lang="en-IN" dirty="0"/>
+              <a:t>This modules stores the details of the doctor like doctor’s duty time, their specialisation, room numbers where their patients will be/are admitted</a:t>
+            </a:r>
+          </a:p>
+          <a:p>
+            <a:r>
+              <a:rPr lang="en-IN" dirty="0"/>
+              <a:t>This module will also show the doctors, what all appointments are their for the day. </a:t>
+            </a:r>
+          </a:p>
+        </p:txBody>
+      </p:sp>
+    </p:spTree>
+    <p:extLst>
+      <p:ext uri="{BB962C8B-B14F-4D97-AF65-F5344CB8AC3E}">
+        <p14:creationId xmlns:p14="http://schemas.microsoft.com/office/powerpoint/2010/main" val="1019643130"/>
+      </p:ext>
+    </p:extLst>
+  </p:cSld>
+  <p:clrMapOvr>
+    <a:masterClrMapping/>
+  </p:clrMapOvr>
+</p:sld>
+</file>
+
+<file path=ppt/slides/slide7.xml><?xml version="1.0" encoding="utf-8"?>
+<p:sld xmlns:a="http://schemas.openxmlformats.org/drawingml/2006/main" xmlns:r="http://schemas.openxmlformats.org/officeDocument/2006/relationships" xmlns:p="http://schemas.openxmlformats.org/presentationml/2006/main">
+  <p:cSld>
+    <p:spTree>
+      <p:nvGrpSpPr>
+        <p:cNvPr id="1" name=""/>
+        <p:cNvGrpSpPr/>
+        <p:nvPr/>
+      </p:nvGrpSpPr>
+      <p:grpSpPr>
+        <a:xfrm>
+          <a:off x="0" y="0"/>
+          <a:ext cx="0" cy="0"/>
+          <a:chOff x="0" y="0"/>
+          <a:chExt cx="0" cy="0"/>
+        </a:xfrm>
+      </p:grpSpPr>
+      <p:sp>
+        <p:nvSpPr>
+          <p:cNvPr id="2" name="Title 1">
+            <a:extLst>
+              <a:ext uri="{FF2B5EF4-FFF2-40B4-BE49-F238E27FC236}">
+                <a16:creationId xmlns:a16="http://schemas.microsoft.com/office/drawing/2014/main" id="{75EAD13D-7E53-59BF-EF21-03A8B13395F8}"/>
+              </a:ext>
+            </a:extLst>
+          </p:cNvPr>
+          <p:cNvSpPr>
+            <a:spLocks noGrp="1"/>
+          </p:cNvSpPr>
+          <p:nvPr>
+            <p:ph type="title"/>
+          </p:nvPr>
+        </p:nvSpPr>
+        <p:spPr/>
+        <p:txBody>
+          <a:bodyPr/>
+          <a:lstStyle/>
+          <a:p>
+            <a:r>
+              <a:rPr lang="en-IN" dirty="0"/>
+              <a:t>Patient </a:t>
+            </a:r>
+            <a:endParaRPr lang="en-US" dirty="0"/>
+          </a:p>
+        </p:txBody>
+      </p:sp>
+      <p:sp>
+        <p:nvSpPr>
+          <p:cNvPr id="3" name="Content Placeholder 2">
+            <a:extLst>
+              <a:ext uri="{FF2B5EF4-FFF2-40B4-BE49-F238E27FC236}">
+                <a16:creationId xmlns:a16="http://schemas.microsoft.com/office/drawing/2014/main" id="{9D13FCEF-A5E3-BF78-7B72-48CF03D85534}"/>
+              </a:ext>
+            </a:extLst>
+          </p:cNvPr>
+          <p:cNvSpPr>
+            <a:spLocks noGrp="1"/>
+          </p:cNvSpPr>
+          <p:nvPr>
+            <p:ph idx="1"/>
+          </p:nvPr>
+        </p:nvSpPr>
+        <p:spPr/>
+        <p:txBody>
+          <a:bodyPr>
+            <a:normAutofit lnSpcReduction="10000"/>
+          </a:bodyPr>
+          <a:lstStyle/>
+          <a:p>
+            <a:r>
+              <a:rPr lang="en-IN" dirty="0"/>
+              <a:t>This module is used to accept all the details related to the patient like their name, phone number, their symptoms, medical history, etc.</a:t>
+            </a:r>
+          </a:p>
+          <a:p>
+            <a:r>
+              <a:rPr lang="en-IN" dirty="0"/>
+              <a:t>This module will also tell the patient the time slot in which they are going to visit doctor.</a:t>
+            </a:r>
+          </a:p>
+          <a:p>
+            <a:r>
+              <a:rPr lang="en-IN" dirty="0"/>
+              <a:t>The module will also show the patient the prescriptions and next appointment schedule by the doctor.</a:t>
+            </a:r>
+            <a:endParaRPr lang="en-US" dirty="0"/>
+          </a:p>
+        </p:txBody>
+      </p:sp>
+    </p:spTree>
+    <p:extLst>
+      <p:ext uri="{BB962C8B-B14F-4D97-AF65-F5344CB8AC3E}">
+        <p14:creationId xmlns:p14="http://schemas.microsoft.com/office/powerpoint/2010/main" val="2185323839"/>
+      </p:ext>
+    </p:extLst>
+  </p:cSld>
+  <p:clrMapOvr>
+    <a:masterClrMapping/>
+  </p:clrMapOvr>
+</p:sld>
+</file>
+
+<file path=ppt/slides/slide8.xml><?xml version="1.0" encoding="utf-8"?>
+<p:sld xmlns:a="http://schemas.openxmlformats.org/drawingml/2006/main" xmlns:r="http://schemas.openxmlformats.org/officeDocument/2006/relationships" xmlns:p="http://schemas.openxmlformats.org/presentationml/2006/main">
+  <p:cSld>
+    <p:spTree>
+      <p:nvGrpSpPr>
+        <p:cNvPr id="1" name=""/>
+        <p:cNvGrpSpPr/>
+        <p:nvPr/>
+      </p:nvGrpSpPr>
+      <p:grpSpPr>
+        <a:xfrm>
+          <a:off x="0" y="0"/>
+          <a:ext cx="0" cy="0"/>
+          <a:chOff x="0" y="0"/>
+          <a:chExt cx="0" cy="0"/>
+        </a:xfrm>
+      </p:grpSpPr>
+      <p:sp>
+        <p:nvSpPr>
+          <p:cNvPr id="2" name="Title 1">
+            <a:extLst>
+              <a:ext uri="{FF2B5EF4-FFF2-40B4-BE49-F238E27FC236}">
+                <a16:creationId xmlns:a16="http://schemas.microsoft.com/office/drawing/2014/main" id="{C3D1E705-B875-CECB-EF71-CBD5A38CD7A6}"/>
+              </a:ext>
+            </a:extLst>
+          </p:cNvPr>
+          <p:cNvSpPr>
+            <a:spLocks noGrp="1"/>
+          </p:cNvSpPr>
+          <p:nvPr>
+            <p:ph type="title"/>
+          </p:nvPr>
+        </p:nvSpPr>
+        <p:spPr/>
+        <p:txBody>
+          <a:bodyPr/>
+          <a:lstStyle/>
+          <a:p>
+            <a:r>
+              <a:rPr lang="en-IN" dirty="0"/>
+              <a:t>Output</a:t>
+            </a:r>
+            <a:endParaRPr lang="en-US" dirty="0"/>
+          </a:p>
+        </p:txBody>
+      </p:sp>
+      <p:sp>
+        <p:nvSpPr>
+          <p:cNvPr id="3" name="Content Placeholder 2">
+            <a:extLst>
+              <a:ext uri="{FF2B5EF4-FFF2-40B4-BE49-F238E27FC236}">
+                <a16:creationId xmlns:a16="http://schemas.microsoft.com/office/drawing/2014/main" id="{18193DD7-8E50-4398-3AE4-ECE7A8E18586}"/>
+              </a:ext>
+            </a:extLst>
+          </p:cNvPr>
+          <p:cNvSpPr>
+            <a:spLocks noGrp="1"/>
+          </p:cNvSpPr>
+          <p:nvPr>
+            <p:ph idx="1"/>
+          </p:nvPr>
+        </p:nvSpPr>
+        <p:spPr/>
+        <p:txBody>
+          <a:bodyPr>
+            <a:normAutofit lnSpcReduction="10000"/>
+          </a:bodyPr>
+          <a:lstStyle/>
+          <a:p>
+            <a:r>
+              <a:rPr lang="en-IN" dirty="0"/>
+              <a:t>Due to software with extensive scheduling capabilities, subject-based alternatives can improve doctor-patient communication.</a:t>
+            </a:r>
+          </a:p>
+          <a:p>
+            <a:r>
+              <a:rPr lang="en-IN" dirty="0"/>
+              <a:t>In addition, keeping track of clinical, patients and financial data is possible if the system saves all record and transaction.</a:t>
+            </a:r>
+            <a:endParaRPr lang="en-US" dirty="0"/>
+          </a:p>
+        </p:txBody>
+      </p:sp>
+    </p:spTree>
+    <p:extLst>
+      <p:ext uri="{BB962C8B-B14F-4D97-AF65-F5344CB8AC3E}">
+        <p14:creationId xmlns:p14="http://schemas.microsoft.com/office/powerpoint/2010/main" val="2430381494"/>
+      </p:ext>
+    </p:extLst>
+  </p:cSld>
+  <p:clrMapOvr>
+    <a:masterClrMapping/>
+  </p:clrMapOvr>
+</p:sld>
+</file>
+
+<file path=ppt/slides/slide9.xml><?xml version="1.0" encoding="utf-8"?>
+<p:sld xmlns:a="http://schemas.openxmlformats.org/drawingml/2006/main" xmlns:r="http://schemas.openxmlformats.org/officeDocument/2006/relationships" xmlns:p="http://schemas.openxmlformats.org/presentationml/2006/main">
+  <p:cSld>
+    <p:spTree>
+      <p:nvGrpSpPr>
+        <p:cNvPr id="1" name=""/>
+        <p:cNvGrpSpPr/>
+        <p:nvPr/>
+      </p:nvGrpSpPr>
+      <p:grpSpPr>
+        <a:xfrm>
+          <a:off x="0" y="0"/>
+          <a:ext cx="0" cy="0"/>
+          <a:chOff x="0" y="0"/>
+          <a:chExt cx="0" cy="0"/>
+        </a:xfrm>
+      </p:grpSpPr>
+      <p:sp>
+        <p:nvSpPr>
+          <p:cNvPr id="2" name="Title 1">
+            <a:extLst>
+              <a:ext uri="{FF2B5EF4-FFF2-40B4-BE49-F238E27FC236}">
+                <a16:creationId xmlns:a16="http://schemas.microsoft.com/office/drawing/2014/main" id="{671C351D-4393-A253-A905-26CA18D97379}"/>
+              </a:ext>
+            </a:extLst>
+          </p:cNvPr>
+          <p:cNvSpPr>
+            <a:spLocks noGrp="1"/>
+          </p:cNvSpPr>
+          <p:nvPr>
+            <p:ph type="title"/>
+          </p:nvPr>
+        </p:nvSpPr>
+        <p:spPr/>
+        <p:txBody>
+          <a:bodyPr/>
+          <a:lstStyle/>
+          <a:p>
+            <a:r>
+              <a:rPr lang="en-IN" dirty="0"/>
+              <a:t>Conclusion</a:t>
+            </a:r>
+            <a:endParaRPr lang="en-US" dirty="0"/>
+          </a:p>
+        </p:txBody>
+      </p:sp>
+      <p:sp>
+        <p:nvSpPr>
+          <p:cNvPr id="3" name="Content Placeholder 2">
+            <a:extLst>
+              <a:ext uri="{FF2B5EF4-FFF2-40B4-BE49-F238E27FC236}">
+                <a16:creationId xmlns:a16="http://schemas.microsoft.com/office/drawing/2014/main" id="{96F9C3A7-5499-9851-B994-5AD5F92A51F2}"/>
+              </a:ext>
+            </a:extLst>
+          </p:cNvPr>
+          <p:cNvSpPr>
+            <a:spLocks noGrp="1"/>
+          </p:cNvSpPr>
+          <p:nvPr>
+            <p:ph idx="1"/>
+          </p:nvPr>
+        </p:nvSpPr>
+        <p:spPr/>
+        <p:txBody>
+          <a:bodyPr/>
+          <a:lstStyle/>
+          <a:p>
+            <a:r>
+              <a:rPr lang="en-IN" dirty="0"/>
+              <a:t>This project will help in making the hospital task easy and is to develop software that replaces the manual hospital system.</a:t>
+            </a:r>
+          </a:p>
+          <a:p>
+            <a:r>
+              <a:rPr lang="en-IN" dirty="0"/>
+              <a:t>This project is going to help in managing rush in the hospital, and saving time of the patient as well </a:t>
+            </a:r>
+            <a:endParaRPr lang="en-US" dirty="0"/>
+          </a:p>
+        </p:txBody>
+      </p:sp>
+    </p:spTree>
+    <p:extLst>
+      <p:ext uri="{BB962C8B-B14F-4D97-AF65-F5344CB8AC3E}">
+        <p14:creationId xmlns:p14="http://schemas.microsoft.com/office/powerpoint/2010/main" val="2194111265"/>
       </p:ext>
     </p:extLst>
   </p:cSld>
